--- a/RECURSOS-FINAL-DIGITAL-HOUSE/Presentacion-G2.pptx
+++ b/RECURSOS-FINAL-DIGITAL-HOUSE/Presentacion-G2.pptx
@@ -7962,9 +7962,69 @@
         </p:blipFill>
         <p:spPr>
           <a:xfrm>
-            <a:off x="3901496" y="2183699"/>
+            <a:off x="215372" y="2152703"/>
             <a:ext cx="3812582" cy="4493826"/>
           </a:xfrm>
+        </p:spPr>
+      </p:pic>
+      <p:pic>
+        <p:nvPicPr>
+          <p:cNvPr id="4" name="Imagen 3">
+            <a:extLst>
+              <a:ext uri="{FF2B5EF4-FFF2-40B4-BE49-F238E27FC236}">
+                <a16:creationId xmlns:a16="http://schemas.microsoft.com/office/drawing/2014/main" id="{98C221BE-5AA1-79A6-BBC9-20F172BB9C91}"/>
+              </a:ext>
+            </a:extLst>
+          </p:cNvPr>
+          <p:cNvPicPr>
+            <a:picLocks noChangeAspect="1"/>
+          </p:cNvPicPr>
+          <p:nvPr/>
+        </p:nvPicPr>
+        <p:blipFill>
+          <a:blip r:embed="rId3"/>
+          <a:stretch>
+            <a:fillRect/>
+          </a:stretch>
+        </p:blipFill>
+        <p:spPr>
+          <a:xfrm>
+            <a:off x="4189709" y="2152703"/>
+            <a:ext cx="3812582" cy="4493826"/>
+          </a:xfrm>
+          <a:prstGeom prst="rect">
+            <a:avLst/>
+          </a:prstGeom>
+        </p:spPr>
+      </p:pic>
+      <p:pic>
+        <p:nvPicPr>
+          <p:cNvPr id="6" name="Imagen 5">
+            <a:extLst>
+              <a:ext uri="{FF2B5EF4-FFF2-40B4-BE49-F238E27FC236}">
+                <a16:creationId xmlns:a16="http://schemas.microsoft.com/office/drawing/2014/main" id="{34C5CBAF-7D40-485E-BCD7-EEC3F092867E}"/>
+              </a:ext>
+            </a:extLst>
+          </p:cNvPr>
+          <p:cNvPicPr>
+            <a:picLocks noChangeAspect="1"/>
+          </p:cNvPicPr>
+          <p:nvPr/>
+        </p:nvPicPr>
+        <p:blipFill>
+          <a:blip r:embed="rId4"/>
+          <a:stretch>
+            <a:fillRect/>
+          </a:stretch>
+        </p:blipFill>
+        <p:spPr>
+          <a:xfrm>
+            <a:off x="8152108" y="2152703"/>
+            <a:ext cx="3824519" cy="4493826"/>
+          </a:xfrm>
+          <a:prstGeom prst="rect">
+            <a:avLst/>
+          </a:prstGeom>
         </p:spPr>
       </p:pic>
     </p:spTree>
@@ -8090,8 +8150,8 @@
         </p:blipFill>
         <p:spPr>
           <a:xfrm>
-            <a:off x="7470380" y="2211571"/>
-            <a:ext cx="3165231" cy="4465675"/>
+            <a:off x="7155054" y="2045777"/>
+            <a:ext cx="3480558" cy="4631469"/>
           </a:xfrm>
           <a:prstGeom prst="rect">
             <a:avLst/>
@@ -8120,8 +8180,8 @@
         </p:blipFill>
         <p:spPr>
           <a:xfrm>
-            <a:off x="1172698" y="2211571"/>
-            <a:ext cx="2956707" cy="4465675"/>
+            <a:off x="1172698" y="2045777"/>
+            <a:ext cx="3864251" cy="4631470"/>
           </a:xfrm>
           <a:prstGeom prst="rect">
             <a:avLst/>
@@ -8224,8 +8284,8 @@
         </p:blipFill>
         <p:spPr>
           <a:xfrm>
-            <a:off x="791507" y="2526282"/>
-            <a:ext cx="9392961" cy="3715030"/>
+            <a:off x="791506" y="2216258"/>
+            <a:ext cx="10584249" cy="4308528"/>
           </a:xfrm>
         </p:spPr>
       </p:pic>
@@ -8557,7 +8617,7 @@
             <a:pPr algn="ctr"/>
             <a:r>
               <a:rPr lang="es-MX" dirty="0"/>
-              <a:t>Modo usuario, favoritos y carrito   </a:t>
+              <a:t>Modo usuario, favoritos, carrito y perfil   </a:t>
             </a:r>
             <a:endParaRPr lang="es-AR" dirty="0"/>
           </a:p>
@@ -8587,8 +8647,8 @@
         </p:blipFill>
         <p:spPr>
           <a:xfrm>
-            <a:off x="6613417" y="2104401"/>
-            <a:ext cx="5222817" cy="4594111"/>
+            <a:off x="3994205" y="2104401"/>
+            <a:ext cx="3777230" cy="4636546"/>
           </a:xfrm>
         </p:spPr>
       </p:pic>
@@ -8615,7 +8675,37 @@
         <p:spPr>
           <a:xfrm>
             <a:off x="264434" y="2104401"/>
-            <a:ext cx="5083743" cy="4636546"/>
+            <a:ext cx="3424163" cy="4636546"/>
+          </a:xfrm>
+          <a:prstGeom prst="rect">
+            <a:avLst/>
+          </a:prstGeom>
+        </p:spPr>
+      </p:pic>
+      <p:pic>
+        <p:nvPicPr>
+          <p:cNvPr id="4" name="Imagen 3">
+            <a:extLst>
+              <a:ext uri="{FF2B5EF4-FFF2-40B4-BE49-F238E27FC236}">
+                <a16:creationId xmlns:a16="http://schemas.microsoft.com/office/drawing/2014/main" id="{844DC131-162D-1240-B915-F61AD6976760}"/>
+              </a:ext>
+            </a:extLst>
+          </p:cNvPr>
+          <p:cNvPicPr>
+            <a:picLocks noChangeAspect="1"/>
+          </p:cNvPicPr>
+          <p:nvPr/>
+        </p:nvPicPr>
+        <p:blipFill>
+          <a:blip r:embed="rId4"/>
+          <a:stretch>
+            <a:fillRect/>
+          </a:stretch>
+        </p:blipFill>
+        <p:spPr>
+          <a:xfrm>
+            <a:off x="8121112" y="2104401"/>
+            <a:ext cx="3777230" cy="4636546"/>
           </a:xfrm>
           <a:prstGeom prst="rect">
             <a:avLst/>
@@ -8718,8 +8808,8 @@
         </p:blipFill>
         <p:spPr>
           <a:xfrm>
-            <a:off x="552091" y="2070340"/>
-            <a:ext cx="11145328" cy="4451230"/>
+            <a:off x="552091" y="2070339"/>
+            <a:ext cx="11145328" cy="4671423"/>
           </a:xfrm>
         </p:spPr>
       </p:pic>
@@ -8868,13 +8958,13 @@
   <p:clrMapOvr>
     <a:masterClrMapping/>
   </p:clrMapOvr>
-  <mc:AlternateContent xmlns:mc="http://schemas.openxmlformats.org/markup-compatibility/2006">
-    <mc:Choice xmlns:p14="http://schemas.microsoft.com/office/powerpoint/2010/main" Requires="p14">
+  <mc:AlternateContent xmlns:mc="http://schemas.openxmlformats.org/markup-compatibility/2006" xmlns:p14="http://schemas.microsoft.com/office/powerpoint/2010/main">
+    <mc:Choice Requires="p14">
       <p:transition spd="med" p14:dur="700">
         <p:fade/>
       </p:transition>
     </mc:Choice>
-    <mc:Fallback>
+    <mc:Fallback xmlns="">
       <p:transition spd="med">
         <p:fade/>
       </p:transition>
